--- a/docs/tutorial/presentations/GO_protege_1201b.pptx
+++ b/docs/tutorial/presentations/GO_protege_1201b.pptx
@@ -5,7 +5,7 @@
     <p:sldMasterId id="2147483660" r:id="rId1"/>
   </p:sldMasterIdLst>
   <p:notesMasterIdLst>
-    <p:notesMasterId r:id="rId39"/>
+    <p:notesMasterId r:id="rId38"/>
   </p:notesMasterIdLst>
   <p:sldIdLst>
     <p:sldId id="256" r:id="rId2"/>
@@ -44,7 +44,6 @@
     <p:sldId id="384" r:id="rId35"/>
     <p:sldId id="399" r:id="rId36"/>
     <p:sldId id="404" r:id="rId37"/>
-    <p:sldId id="402" r:id="rId38"/>
   </p:sldIdLst>
   <p:sldSz cx="9144000" cy="6858000" type="screen4x3"/>
   <p:notesSz cx="6858000" cy="9144000"/>
@@ -1026,6 +1025,104 @@
               <a:rPr lang="en-US" smtClean="0"/>
               <a:pPr/>
               <a:t>20</a:t>
+            </a:fld>
+            <a:endParaRPr lang="en-US"/>
+          </a:p>
+        </p:txBody>
+      </p:sp>
+    </p:spTree>
+  </p:cSld>
+  <p:clrMapOvr>
+    <a:masterClrMapping/>
+  </p:clrMapOvr>
+</p:notes>
+</file>
+
+<file path=ppt/notesSlides/notesSlide7.xml><?xml version="1.0" encoding="utf-8"?>
+<p:notes xmlns:a="http://schemas.openxmlformats.org/drawingml/2006/main" xmlns:r="http://schemas.openxmlformats.org/officeDocument/2006/relationships" xmlns:mc="http://schemas.openxmlformats.org/markup-compatibility/2006" xmlns:mv="urn:schemas-microsoft-com:mac:vml" xmlns:p="http://schemas.openxmlformats.org/presentationml/2006/main" mc:Ignorable="mv" mc:PreserveAttributes="mv:*">
+  <p:cSld>
+    <p:spTree>
+      <p:nvGrpSpPr>
+        <p:cNvPr id="1" name=""/>
+        <p:cNvGrpSpPr/>
+        <p:nvPr/>
+      </p:nvGrpSpPr>
+      <p:grpSpPr>
+        <a:xfrm>
+          <a:off x="0" y="0"/>
+          <a:ext cx="0" cy="0"/>
+          <a:chOff x="0" y="0"/>
+          <a:chExt cx="0" cy="0"/>
+        </a:xfrm>
+      </p:grpSpPr>
+      <p:sp>
+        <p:nvSpPr>
+          <p:cNvPr id="2" name="Slide Image Placeholder 1"/>
+          <p:cNvSpPr>
+            <a:spLocks noGrp="1" noRot="1" noChangeAspect="1"/>
+          </p:cNvSpPr>
+          <p:nvPr>
+            <p:ph type="sldImg"/>
+          </p:nvPr>
+        </p:nvSpPr>
+        <p:spPr/>
+      </p:sp>
+      <p:sp>
+        <p:nvSpPr>
+          <p:cNvPr id="3" name="Notes Placeholder 2"/>
+          <p:cNvSpPr>
+            <a:spLocks noGrp="1"/>
+          </p:cNvSpPr>
+          <p:nvPr>
+            <p:ph type="body" idx="1"/>
+          </p:nvPr>
+        </p:nvSpPr>
+        <p:spPr/>
+        <p:txBody>
+          <a:bodyPr>
+            <a:normAutofit/>
+          </a:bodyPr>
+          <a:lstStyle/>
+          <a:p>
+            <a:r>
+              <a:rPr lang="en-US" dirty="0" smtClean="0"/>
+              <a:t>The point is not to read all the text,</a:t>
+            </a:r>
+            <a:r>
+              <a:rPr lang="en-US" baseline="0" dirty="0" smtClean="0"/>
+              <a:t> just to note that it is complicated.  Note that this approach differs from Simon’s, as I understand it, of making formal </a:t>
+            </a:r>
+            <a:r>
+              <a:rPr lang="en-US" baseline="0" dirty="0" err="1" smtClean="0"/>
+              <a:t>defs</a:t>
+            </a:r>
+            <a:r>
+              <a:rPr lang="en-US" baseline="0" dirty="0" smtClean="0"/>
+              <a:t> primary and aiming for complete Rector demoralization.</a:t>
+            </a:r>
+            <a:endParaRPr lang="en-US" dirty="0"/>
+          </a:p>
+        </p:txBody>
+      </p:sp>
+      <p:sp>
+        <p:nvSpPr>
+          <p:cNvPr id="4" name="Slide Number Placeholder 3"/>
+          <p:cNvSpPr>
+            <a:spLocks noGrp="1"/>
+          </p:cNvSpPr>
+          <p:nvPr>
+            <p:ph type="sldNum" sz="quarter" idx="10"/>
+          </p:nvPr>
+        </p:nvSpPr>
+        <p:spPr/>
+        <p:txBody>
+          <a:bodyPr/>
+          <a:lstStyle/>
+          <a:p>
+            <a:fld id="{AEDE96F4-7F16-8045-9CD7-18F1B353FF60}" type="slidenum">
+              <a:rPr lang="en-US" smtClean="0"/>
+              <a:pPr/>
+              <a:t>23</a:t>
             </a:fld>
             <a:endParaRPr lang="en-US"/>
           </a:p>
@@ -14898,7 +14995,7 @@
         <p:spPr/>
         <p:txBody>
           <a:bodyPr>
-            <a:normAutofit fontScale="92500" lnSpcReduction="20000"/>
+            <a:normAutofit fontScale="92500" lnSpcReduction="10000"/>
           </a:bodyPr>
           <a:lstStyle/>
           <a:p>
@@ -14920,21 +15017,28 @@
             </a:r>
             <a:r>
               <a:rPr lang="en-US" dirty="0" smtClean="0"/>
-              <a:t> hierarchy is maintained by hand.  </a:t>
-            </a:r>
-          </a:p>
-          <a:p>
-            <a:endParaRPr lang="en-US" dirty="0" smtClean="0"/>
+              <a:t> hierarchy is maintained by hand.</a:t>
+            </a:r>
+          </a:p>
+          <a:p>
+            <a:r>
+              <a:rPr lang="en-US" dirty="0" smtClean="0"/>
+              <a:t>Only add equivalent class definitions when you are confident you can completely </a:t>
+            </a:r>
+            <a:r>
+              <a:rPr lang="en-US" dirty="0" err="1" smtClean="0"/>
+              <a:t>formalise</a:t>
+            </a:r>
+            <a:r>
+              <a:rPr lang="en-US" dirty="0" smtClean="0"/>
+              <a:t> a definition.</a:t>
+            </a:r>
           </a:p>
           <a:p>
             <a:r>
               <a:rPr lang="en-US" dirty="0" smtClean="0"/>
               <a:t>Automating  classification is often hard. How would you define this using an equivalent class statement:</a:t>
             </a:r>
-          </a:p>
-          <a:p>
-            <a:pPr lvl="1"/>
-            <a:endParaRPr lang="en-US" dirty="0" smtClean="0"/>
           </a:p>
           <a:p>
             <a:pPr lvl="1"/>
@@ -22882,69 +22986,6 @@
       </p:par>
     </p:tnLst>
   </p:timing>
-</p:sld>
-</file>
-
-<file path=ppt/slides/slide37.xml><?xml version="1.0" encoding="utf-8"?>
-<p:sld xmlns:a="http://schemas.openxmlformats.org/drawingml/2006/main" xmlns:r="http://schemas.openxmlformats.org/officeDocument/2006/relationships" xmlns:mc="http://schemas.openxmlformats.org/markup-compatibility/2006" xmlns:mv="urn:schemas-microsoft-com:mac:vml" xmlns:p="http://schemas.openxmlformats.org/presentationml/2006/main" mc:Ignorable="mv" mc:PreserveAttributes="mv:*">
-  <p:cSld>
-    <p:spTree>
-      <p:nvGrpSpPr>
-        <p:cNvPr id="1" name=""/>
-        <p:cNvGrpSpPr/>
-        <p:nvPr/>
-      </p:nvGrpSpPr>
-      <p:grpSpPr>
-        <a:xfrm>
-          <a:off x="0" y="0"/>
-          <a:ext cx="0" cy="0"/>
-          <a:chOff x="0" y="0"/>
-          <a:chExt cx="0" cy="0"/>
-        </a:xfrm>
-      </p:grpSpPr>
-      <p:sp>
-        <p:nvSpPr>
-          <p:cNvPr id="2" name="Title 1"/>
-          <p:cNvSpPr>
-            <a:spLocks noGrp="1"/>
-          </p:cNvSpPr>
-          <p:nvPr>
-            <p:ph type="title"/>
-          </p:nvPr>
-        </p:nvSpPr>
-        <p:spPr/>
-        <p:txBody>
-          <a:bodyPr/>
-          <a:lstStyle/>
-          <a:p>
-            <a:endParaRPr lang="en-US"/>
-          </a:p>
-        </p:txBody>
-      </p:sp>
-      <p:sp>
-        <p:nvSpPr>
-          <p:cNvPr id="3" name="Content Placeholder 2"/>
-          <p:cNvSpPr>
-            <a:spLocks noGrp="1"/>
-          </p:cNvSpPr>
-          <p:nvPr>
-            <p:ph idx="1"/>
-          </p:nvPr>
-        </p:nvSpPr>
-        <p:spPr/>
-        <p:txBody>
-          <a:bodyPr/>
-          <a:lstStyle/>
-          <a:p>
-            <a:endParaRPr lang="en-US"/>
-          </a:p>
-        </p:txBody>
-      </p:sp>
-    </p:spTree>
-  </p:cSld>
-  <p:clrMapOvr>
-    <a:masterClrMapping/>
-  </p:clrMapOvr>
 </p:sld>
 </file>
 

--- a/docs/tutorial/presentations/GO_protege_1201b.pptx
+++ b/docs/tutorial/presentations/GO_protege_1201b.pptx
@@ -1123,6 +1123,198 @@
               <a:rPr lang="en-US" smtClean="0"/>
               <a:pPr/>
               <a:t>23</a:t>
+            </a:fld>
+            <a:endParaRPr lang="en-US"/>
+          </a:p>
+        </p:txBody>
+      </p:sp>
+    </p:spTree>
+  </p:cSld>
+  <p:clrMapOvr>
+    <a:masterClrMapping/>
+  </p:clrMapOvr>
+</p:notes>
+</file>
+
+<file path=ppt/notesSlides/notesSlide8.xml><?xml version="1.0" encoding="utf-8"?>
+<p:notes xmlns:a="http://schemas.openxmlformats.org/drawingml/2006/main" xmlns:r="http://schemas.openxmlformats.org/officeDocument/2006/relationships" xmlns:mc="http://schemas.openxmlformats.org/markup-compatibility/2006" xmlns:mv="urn:schemas-microsoft-com:mac:vml" xmlns:p="http://schemas.openxmlformats.org/presentationml/2006/main" mc:Ignorable="mv" mc:PreserveAttributes="mv:*">
+  <p:cSld>
+    <p:spTree>
+      <p:nvGrpSpPr>
+        <p:cNvPr id="1" name=""/>
+        <p:cNvGrpSpPr/>
+        <p:nvPr/>
+      </p:nvGrpSpPr>
+      <p:grpSpPr>
+        <a:xfrm>
+          <a:off x="0" y="0"/>
+          <a:ext cx="0" cy="0"/>
+          <a:chOff x="0" y="0"/>
+          <a:chExt cx="0" cy="0"/>
+        </a:xfrm>
+      </p:grpSpPr>
+      <p:sp>
+        <p:nvSpPr>
+          <p:cNvPr id="2" name="Slide Image Placeholder 1"/>
+          <p:cNvSpPr>
+            <a:spLocks noGrp="1" noRot="1" noChangeAspect="1"/>
+          </p:cNvSpPr>
+          <p:nvPr>
+            <p:ph type="sldImg"/>
+          </p:nvPr>
+        </p:nvSpPr>
+        <p:spPr/>
+      </p:sp>
+      <p:sp>
+        <p:nvSpPr>
+          <p:cNvPr id="3" name="Notes Placeholder 2"/>
+          <p:cNvSpPr>
+            <a:spLocks noGrp="1"/>
+          </p:cNvSpPr>
+          <p:nvPr>
+            <p:ph type="body" idx="1"/>
+          </p:nvPr>
+        </p:nvSpPr>
+        <p:spPr/>
+        <p:txBody>
+          <a:bodyPr>
+            <a:normAutofit/>
+          </a:bodyPr>
+          <a:lstStyle/>
+          <a:p>
+            <a:r>
+              <a:rPr lang="en-US" dirty="0" smtClean="0"/>
+              <a:t>Slightly </a:t>
+            </a:r>
+            <a:r>
+              <a:rPr lang="en-US" dirty="0" err="1" smtClean="0"/>
+              <a:t>patronising</a:t>
+            </a:r>
+            <a:r>
+              <a:rPr lang="en-US" dirty="0" smtClean="0"/>
+              <a:t> slide,</a:t>
+            </a:r>
+            <a:r>
+              <a:rPr lang="en-US" baseline="0" dirty="0" smtClean="0"/>
+              <a:t> but made this because I think non-coders often think having lots of error messages is a chore.  I know I used to.</a:t>
+            </a:r>
+            <a:endParaRPr lang="en-US" dirty="0"/>
+          </a:p>
+        </p:txBody>
+      </p:sp>
+      <p:sp>
+        <p:nvSpPr>
+          <p:cNvPr id="4" name="Slide Number Placeholder 3"/>
+          <p:cNvSpPr>
+            <a:spLocks noGrp="1"/>
+          </p:cNvSpPr>
+          <p:nvPr>
+            <p:ph type="sldNum" sz="quarter" idx="10"/>
+          </p:nvPr>
+        </p:nvSpPr>
+        <p:spPr/>
+        <p:txBody>
+          <a:bodyPr/>
+          <a:lstStyle/>
+          <a:p>
+            <a:fld id="{AEDE96F4-7F16-8045-9CD7-18F1B353FF60}" type="slidenum">
+              <a:rPr lang="en-US" smtClean="0"/>
+              <a:pPr/>
+              <a:t>27</a:t>
+            </a:fld>
+            <a:endParaRPr lang="en-US"/>
+          </a:p>
+        </p:txBody>
+      </p:sp>
+    </p:spTree>
+  </p:cSld>
+  <p:clrMapOvr>
+    <a:masterClrMapping/>
+  </p:clrMapOvr>
+</p:notes>
+</file>
+
+<file path=ppt/notesSlides/notesSlide9.xml><?xml version="1.0" encoding="utf-8"?>
+<p:notes xmlns:a="http://schemas.openxmlformats.org/drawingml/2006/main" xmlns:r="http://schemas.openxmlformats.org/officeDocument/2006/relationships" xmlns:mc="http://schemas.openxmlformats.org/markup-compatibility/2006" xmlns:mv="urn:schemas-microsoft-com:mac:vml" xmlns:p="http://schemas.openxmlformats.org/presentationml/2006/main" mc:Ignorable="mv" mc:PreserveAttributes="mv:*">
+  <p:cSld>
+    <p:spTree>
+      <p:nvGrpSpPr>
+        <p:cNvPr id="1" name=""/>
+        <p:cNvGrpSpPr/>
+        <p:nvPr/>
+      </p:nvGrpSpPr>
+      <p:grpSpPr>
+        <a:xfrm>
+          <a:off x="0" y="0"/>
+          <a:ext cx="0" cy="0"/>
+          <a:chOff x="0" y="0"/>
+          <a:chExt cx="0" cy="0"/>
+        </a:xfrm>
+      </p:grpSpPr>
+      <p:sp>
+        <p:nvSpPr>
+          <p:cNvPr id="2" name="Slide Image Placeholder 1"/>
+          <p:cNvSpPr>
+            <a:spLocks noGrp="1" noRot="1" noChangeAspect="1"/>
+          </p:cNvSpPr>
+          <p:nvPr>
+            <p:ph type="sldImg"/>
+          </p:nvPr>
+        </p:nvSpPr>
+        <p:spPr/>
+      </p:sp>
+      <p:sp>
+        <p:nvSpPr>
+          <p:cNvPr id="3" name="Notes Placeholder 2"/>
+          <p:cNvSpPr>
+            <a:spLocks noGrp="1"/>
+          </p:cNvSpPr>
+          <p:nvPr>
+            <p:ph type="body" idx="1"/>
+          </p:nvPr>
+        </p:nvSpPr>
+        <p:spPr/>
+        <p:txBody>
+          <a:bodyPr>
+            <a:normAutofit/>
+          </a:bodyPr>
+          <a:lstStyle/>
+          <a:p>
+            <a:r>
+              <a:rPr lang="en-US" dirty="0" smtClean="0"/>
+              <a:t>Last point will be dealt</a:t>
+            </a:r>
+            <a:r>
+              <a:rPr lang="en-US" baseline="0" dirty="0" smtClean="0"/>
+              <a:t> with later </a:t>
+            </a:r>
+            <a:r>
+              <a:rPr lang="en-US" baseline="0" smtClean="0"/>
+              <a:t>by Chris.</a:t>
+            </a:r>
+            <a:endParaRPr lang="en-US"/>
+          </a:p>
+        </p:txBody>
+      </p:sp>
+      <p:sp>
+        <p:nvSpPr>
+          <p:cNvPr id="4" name="Slide Number Placeholder 3"/>
+          <p:cNvSpPr>
+            <a:spLocks noGrp="1"/>
+          </p:cNvSpPr>
+          <p:nvPr>
+            <p:ph type="sldNum" sz="quarter" idx="10"/>
+          </p:nvPr>
+        </p:nvSpPr>
+        <p:spPr/>
+        <p:txBody>
+          <a:bodyPr/>
+          <a:lstStyle/>
+          <a:p>
+            <a:fld id="{AEDE96F4-7F16-8045-9CD7-18F1B353FF60}" type="slidenum">
+              <a:rPr lang="en-US" smtClean="0"/>
+              <a:pPr/>
+              <a:t>36</a:t>
             </a:fld>
             <a:endParaRPr lang="en-US"/>
           </a:p>
